--- a/diapo.pptx
+++ b/diapo.pptx
@@ -104,6 +104,11 @@
       </a:defRPr>
     </a:lvl9pPr>
   </p:defaultTextStyle>
+  <p:extLst>
+    <p:ext uri="{EFAFB233-063F-42B5-8137-9DF3F51BA10A}">
+      <p15:sldGuideLst xmlns:p15="http://schemas.microsoft.com/office/powerpoint/2012/main"/>
+    </p:ext>
+  </p:extLst>
 </p:presentation>
 </file>
 
@@ -254,7 +259,7 @@
           <a:p>
             <a:fld id="{9677B756-5FE2-4865-8E91-F8110E571316}" type="datetimeFigureOut">
               <a:rPr lang="fr-FR" smtClean="0"/>
-              <a:t>21/05/2020</a:t>
+              <a:t>25/05/2020</a:t>
             </a:fld>
             <a:endParaRPr lang="fr-FR"/>
           </a:p>
@@ -452,7 +457,7 @@
           <a:p>
             <a:fld id="{9677B756-5FE2-4865-8E91-F8110E571316}" type="datetimeFigureOut">
               <a:rPr lang="fr-FR" smtClean="0"/>
-              <a:t>21/05/2020</a:t>
+              <a:t>25/05/2020</a:t>
             </a:fld>
             <a:endParaRPr lang="fr-FR"/>
           </a:p>
@@ -660,7 +665,7 @@
           <a:p>
             <a:fld id="{9677B756-5FE2-4865-8E91-F8110E571316}" type="datetimeFigureOut">
               <a:rPr lang="fr-FR" smtClean="0"/>
-              <a:t>21/05/2020</a:t>
+              <a:t>25/05/2020</a:t>
             </a:fld>
             <a:endParaRPr lang="fr-FR"/>
           </a:p>
@@ -858,7 +863,7 @@
           <a:p>
             <a:fld id="{9677B756-5FE2-4865-8E91-F8110E571316}" type="datetimeFigureOut">
               <a:rPr lang="fr-FR" smtClean="0"/>
-              <a:t>21/05/2020</a:t>
+              <a:t>25/05/2020</a:t>
             </a:fld>
             <a:endParaRPr lang="fr-FR"/>
           </a:p>
@@ -1133,7 +1138,7 @@
           <a:p>
             <a:fld id="{9677B756-5FE2-4865-8E91-F8110E571316}" type="datetimeFigureOut">
               <a:rPr lang="fr-FR" smtClean="0"/>
-              <a:t>21/05/2020</a:t>
+              <a:t>25/05/2020</a:t>
             </a:fld>
             <a:endParaRPr lang="fr-FR"/>
           </a:p>
@@ -1398,7 +1403,7 @@
           <a:p>
             <a:fld id="{9677B756-5FE2-4865-8E91-F8110E571316}" type="datetimeFigureOut">
               <a:rPr lang="fr-FR" smtClean="0"/>
-              <a:t>21/05/2020</a:t>
+              <a:t>25/05/2020</a:t>
             </a:fld>
             <a:endParaRPr lang="fr-FR"/>
           </a:p>
@@ -1810,7 +1815,7 @@
           <a:p>
             <a:fld id="{9677B756-5FE2-4865-8E91-F8110E571316}" type="datetimeFigureOut">
               <a:rPr lang="fr-FR" smtClean="0"/>
-              <a:t>21/05/2020</a:t>
+              <a:t>25/05/2020</a:t>
             </a:fld>
             <a:endParaRPr lang="fr-FR"/>
           </a:p>
@@ -1951,7 +1956,7 @@
           <a:p>
             <a:fld id="{9677B756-5FE2-4865-8E91-F8110E571316}" type="datetimeFigureOut">
               <a:rPr lang="fr-FR" smtClean="0"/>
-              <a:t>21/05/2020</a:t>
+              <a:t>25/05/2020</a:t>
             </a:fld>
             <a:endParaRPr lang="fr-FR"/>
           </a:p>
@@ -2064,7 +2069,7 @@
           <a:p>
             <a:fld id="{9677B756-5FE2-4865-8E91-F8110E571316}" type="datetimeFigureOut">
               <a:rPr lang="fr-FR" smtClean="0"/>
-              <a:t>21/05/2020</a:t>
+              <a:t>25/05/2020</a:t>
             </a:fld>
             <a:endParaRPr lang="fr-FR"/>
           </a:p>
@@ -2375,7 +2380,7 @@
           <a:p>
             <a:fld id="{9677B756-5FE2-4865-8E91-F8110E571316}" type="datetimeFigureOut">
               <a:rPr lang="fr-FR" smtClean="0"/>
-              <a:t>21/05/2020</a:t>
+              <a:t>25/05/2020</a:t>
             </a:fld>
             <a:endParaRPr lang="fr-FR"/>
           </a:p>
@@ -2663,7 +2668,7 @@
           <a:p>
             <a:fld id="{9677B756-5FE2-4865-8E91-F8110E571316}" type="datetimeFigureOut">
               <a:rPr lang="fr-FR" smtClean="0"/>
-              <a:t>21/05/2020</a:t>
+              <a:t>25/05/2020</a:t>
             </a:fld>
             <a:endParaRPr lang="fr-FR"/>
           </a:p>
@@ -2930,7 +2935,7 @@
           <a:p>
             <a:fld id="{9677B756-5FE2-4865-8E91-F8110E571316}" type="datetimeFigureOut">
               <a:rPr lang="fr-FR" smtClean="0"/>
-              <a:t>21/05/2020</a:t>
+              <a:t>25/05/2020</a:t>
             </a:fld>
             <a:endParaRPr lang="fr-FR"/>
           </a:p>
@@ -3023,6 +3028,136 @@
               <a:t>‹N°›</a:t>
             </a:fld>
             <a:endParaRPr lang="fr-FR"/>
+          </a:p>
+        </p:txBody>
+      </p:sp>
+      <p:pic>
+        <p:nvPicPr>
+          <p:cNvPr id="7" name="Image 6">
+            <a:extLst>
+              <a:ext uri="{FF2B5EF4-FFF2-40B4-BE49-F238E27FC236}">
+                <a16:creationId xmlns:a16="http://schemas.microsoft.com/office/drawing/2014/main" id="{529BE44C-10EA-4897-806E-72D32DAF67D6}"/>
+              </a:ext>
+            </a:extLst>
+          </p:cNvPr>
+          <p:cNvPicPr/>
+          <p:nvPr userDrawn="1"/>
+        </p:nvPicPr>
+        <p:blipFill rotWithShape="1">
+          <a:blip r:embed="rId13"/>
+          <a:srcRect l="46271" t="31989" r="45132" b="52854"/>
+          <a:stretch/>
+        </p:blipFill>
+        <p:spPr bwMode="auto">
+          <a:xfrm>
+            <a:off x="11047158" y="136525"/>
+            <a:ext cx="1052195" cy="1043940"/>
+          </a:xfrm>
+          <a:prstGeom prst="rect">
+            <a:avLst/>
+          </a:prstGeom>
+          <a:ln>
+            <a:noFill/>
+          </a:ln>
+          <a:extLst>
+            <a:ext uri="{53640926-AAD7-44D8-BBD7-CCE9431645EC}">
+              <a14:shadowObscured xmlns:a14="http://schemas.microsoft.com/office/drawing/2010/main"/>
+            </a:ext>
+          </a:extLst>
+        </p:spPr>
+      </p:pic>
+      <p:sp>
+        <p:nvSpPr>
+          <p:cNvPr id="8" name="ZoneTexte 7">
+            <a:extLst>
+              <a:ext uri="{FF2B5EF4-FFF2-40B4-BE49-F238E27FC236}">
+                <a16:creationId xmlns:a16="http://schemas.microsoft.com/office/drawing/2014/main" id="{E06E12DA-F89A-436B-AD37-78183FFE8883}"/>
+              </a:ext>
+            </a:extLst>
+          </p:cNvPr>
+          <p:cNvSpPr txBox="1"/>
+          <p:nvPr userDrawn="1"/>
+        </p:nvSpPr>
+        <p:spPr>
+          <a:xfrm>
+            <a:off x="11100816" y="185738"/>
+            <a:ext cx="960120" cy="923330"/>
+          </a:xfrm>
+          <a:prstGeom prst="rect">
+            <a:avLst/>
+          </a:prstGeom>
+          <a:solidFill>
+            <a:schemeClr val="bg1"/>
+          </a:solidFill>
+          <a:ln>
+            <a:noFill/>
+          </a:ln>
+        </p:spPr>
+        <p:txBody>
+          <a:bodyPr wrap="square" rtlCol="0">
+            <a:spAutoFit/>
+          </a:bodyPr>
+          <a:lstStyle/>
+          <a:p>
+            <a:pPr algn="ctr"/>
+            <a:r>
+              <a:rPr lang="fr-FR" sz="5400" dirty="0"/>
+              <a:t>?</a:t>
+            </a:r>
+            <a:endParaRPr lang="fr-FR" dirty="0"/>
+          </a:p>
+        </p:txBody>
+      </p:sp>
+      <p:sp>
+        <p:nvSpPr>
+          <p:cNvPr id="9" name="Rectangle 8">
+            <a:extLst>
+              <a:ext uri="{FF2B5EF4-FFF2-40B4-BE49-F238E27FC236}">
+                <a16:creationId xmlns:a16="http://schemas.microsoft.com/office/drawing/2014/main" id="{EAF350C1-8B42-4A64-95CB-4E2585737038}"/>
+              </a:ext>
+            </a:extLst>
+          </p:cNvPr>
+          <p:cNvSpPr/>
+          <p:nvPr userDrawn="1"/>
+        </p:nvSpPr>
+        <p:spPr>
+          <a:xfrm>
+            <a:off x="0" y="-164008"/>
+            <a:ext cx="3051156" cy="923330"/>
+          </a:xfrm>
+          <a:prstGeom prst="rect">
+            <a:avLst/>
+          </a:prstGeom>
+          <a:noFill/>
+        </p:spPr>
+        <p:txBody>
+          <a:bodyPr wrap="none" lIns="91440" tIns="45720" rIns="91440" bIns="45720">
+            <a:spAutoFit/>
+          </a:bodyPr>
+          <a:lstStyle/>
+          <a:p>
+            <a:pPr algn="ctr"/>
+            <a:r>
+              <a:rPr lang="fr-FR" sz="5400" b="0" cap="none" spc="0" dirty="0">
+                <a:ln w="0">
+                  <a:solidFill>
+                    <a:schemeClr val="accent1">
+                      <a:lumMod val="60000"/>
+                      <a:lumOff val="40000"/>
+                    </a:schemeClr>
+                  </a:solidFill>
+                </a:ln>
+                <a:solidFill>
+                  <a:schemeClr val="accent2">
+                    <a:lumMod val="50000"/>
+                  </a:schemeClr>
+                </a:solidFill>
+                <a:effectLst>
+                  <a:reflection blurRad="6350" stA="55000" endA="300" endPos="11000" dir="5400000" sy="-100000" algn="bl" rotWithShape="0"/>
+                </a:effectLst>
+              </a:rPr>
+              <a:t>URCAmod</a:t>
+            </a:r>
           </a:p>
         </p:txBody>
       </p:sp>
